--- a/Prezentace/3. ročník/ppt/PGM - 00 Úvodní hodina.pptx
+++ b/Prezentace/3. ročník/ppt/PGM - 00 Úvodní hodina.pptx
@@ -308,7 +308,7 @@
           <a:p>
             <a:fld id="{F45859ED-9BFA-4F71-8132-5C6DFE8C59B7}" type="datetimeFigureOut">
               <a:rPr lang="cs-CZ" smtClean="0"/>
-              <a:t>05.09.2022</a:t>
+              <a:t>07.09.2023</a:t>
             </a:fld>
             <a:endParaRPr lang="cs-CZ"/>
           </a:p>
@@ -646,7 +646,7 @@
           <a:p>
             <a:fld id="{F45859ED-9BFA-4F71-8132-5C6DFE8C59B7}" type="datetimeFigureOut">
               <a:rPr lang="cs-CZ" smtClean="0"/>
-              <a:t>05.09.2022</a:t>
+              <a:t>07.09.2023</a:t>
             </a:fld>
             <a:endParaRPr lang="cs-CZ"/>
           </a:p>
@@ -1047,7 +1047,7 @@
           <a:p>
             <a:fld id="{F45859ED-9BFA-4F71-8132-5C6DFE8C59B7}" type="datetimeFigureOut">
               <a:rPr lang="cs-CZ" smtClean="0"/>
-              <a:t>05.09.2022</a:t>
+              <a:t>07.09.2023</a:t>
             </a:fld>
             <a:endParaRPr lang="cs-CZ"/>
           </a:p>
@@ -1383,7 +1383,7 @@
           <a:p>
             <a:fld id="{F45859ED-9BFA-4F71-8132-5C6DFE8C59B7}" type="datetimeFigureOut">
               <a:rPr lang="cs-CZ" smtClean="0"/>
-              <a:t>05.09.2022</a:t>
+              <a:t>07.09.2023</a:t>
             </a:fld>
             <a:endParaRPr lang="cs-CZ"/>
           </a:p>
@@ -1703,7 +1703,7 @@
           <a:p>
             <a:fld id="{F45859ED-9BFA-4F71-8132-5C6DFE8C59B7}" type="datetimeFigureOut">
               <a:rPr lang="cs-CZ" smtClean="0"/>
-              <a:t>05.09.2022</a:t>
+              <a:t>07.09.2023</a:t>
             </a:fld>
             <a:endParaRPr lang="cs-CZ"/>
           </a:p>
@@ -2099,7 +2099,7 @@
           <a:p>
             <a:fld id="{F45859ED-9BFA-4F71-8132-5C6DFE8C59B7}" type="datetimeFigureOut">
               <a:rPr lang="cs-CZ" smtClean="0"/>
-              <a:t>05.09.2022</a:t>
+              <a:t>07.09.2023</a:t>
             </a:fld>
             <a:endParaRPr lang="cs-CZ"/>
           </a:p>
@@ -2356,7 +2356,7 @@
           <a:p>
             <a:fld id="{F45859ED-9BFA-4F71-8132-5C6DFE8C59B7}" type="datetimeFigureOut">
               <a:rPr lang="cs-CZ" smtClean="0"/>
-              <a:t>05.09.2022</a:t>
+              <a:t>07.09.2023</a:t>
             </a:fld>
             <a:endParaRPr lang="cs-CZ"/>
           </a:p>
@@ -2618,7 +2618,7 @@
           <a:p>
             <a:fld id="{F45859ED-9BFA-4F71-8132-5C6DFE8C59B7}" type="datetimeFigureOut">
               <a:rPr lang="cs-CZ" smtClean="0"/>
-              <a:t>05.09.2022</a:t>
+              <a:t>07.09.2023</a:t>
             </a:fld>
             <a:endParaRPr lang="cs-CZ"/>
           </a:p>
@@ -2880,7 +2880,7 @@
           <a:p>
             <a:fld id="{F45859ED-9BFA-4F71-8132-5C6DFE8C59B7}" type="datetimeFigureOut">
               <a:rPr lang="cs-CZ" smtClean="0"/>
-              <a:t>05.09.2022</a:t>
+              <a:t>07.09.2023</a:t>
             </a:fld>
             <a:endParaRPr lang="cs-CZ"/>
           </a:p>
@@ -3209,7 +3209,7 @@
           <a:p>
             <a:fld id="{F45859ED-9BFA-4F71-8132-5C6DFE8C59B7}" type="datetimeFigureOut">
               <a:rPr lang="cs-CZ" smtClean="0"/>
-              <a:t>05.09.2022</a:t>
+              <a:t>07.09.2023</a:t>
             </a:fld>
             <a:endParaRPr lang="cs-CZ"/>
           </a:p>
@@ -3532,7 +3532,7 @@
           <a:p>
             <a:fld id="{F45859ED-9BFA-4F71-8132-5C6DFE8C59B7}" type="datetimeFigureOut">
               <a:rPr lang="cs-CZ" smtClean="0"/>
-              <a:t>05.09.2022</a:t>
+              <a:t>07.09.2023</a:t>
             </a:fld>
             <a:endParaRPr lang="cs-CZ"/>
           </a:p>
@@ -3989,7 +3989,7 @@
           <a:p>
             <a:fld id="{F45859ED-9BFA-4F71-8132-5C6DFE8C59B7}" type="datetimeFigureOut">
               <a:rPr lang="cs-CZ" smtClean="0"/>
-              <a:t>05.09.2022</a:t>
+              <a:t>07.09.2023</a:t>
             </a:fld>
             <a:endParaRPr lang="cs-CZ"/>
           </a:p>
@@ -4194,7 +4194,7 @@
           <a:p>
             <a:fld id="{F45859ED-9BFA-4F71-8132-5C6DFE8C59B7}" type="datetimeFigureOut">
               <a:rPr lang="cs-CZ" smtClean="0"/>
-              <a:t>05.09.2022</a:t>
+              <a:t>07.09.2023</a:t>
             </a:fld>
             <a:endParaRPr lang="cs-CZ"/>
           </a:p>
@@ -4371,7 +4371,7 @@
           <a:p>
             <a:fld id="{F45859ED-9BFA-4F71-8132-5C6DFE8C59B7}" type="datetimeFigureOut">
               <a:rPr lang="cs-CZ" smtClean="0"/>
-              <a:t>05.09.2022</a:t>
+              <a:t>07.09.2023</a:t>
             </a:fld>
             <a:endParaRPr lang="cs-CZ"/>
           </a:p>
@@ -4704,7 +4704,7 @@
           <a:p>
             <a:fld id="{F45859ED-9BFA-4F71-8132-5C6DFE8C59B7}" type="datetimeFigureOut">
               <a:rPr lang="cs-CZ" smtClean="0"/>
-              <a:t>05.09.2022</a:t>
+              <a:t>07.09.2023</a:t>
             </a:fld>
             <a:endParaRPr lang="cs-CZ"/>
           </a:p>
@@ -5049,7 +5049,7 @@
           <a:p>
             <a:fld id="{F45859ED-9BFA-4F71-8132-5C6DFE8C59B7}" type="datetimeFigureOut">
               <a:rPr lang="cs-CZ" smtClean="0"/>
-              <a:t>05.09.2022</a:t>
+              <a:t>07.09.2023</a:t>
             </a:fld>
             <a:endParaRPr lang="cs-CZ"/>
           </a:p>
@@ -7166,7 +7166,7 @@
           <a:p>
             <a:fld id="{F45859ED-9BFA-4F71-8132-5C6DFE8C59B7}" type="datetimeFigureOut">
               <a:rPr lang="cs-CZ" smtClean="0"/>
-              <a:t>05.09.2022</a:t>
+              <a:t>07.09.2023</a:t>
             </a:fld>
             <a:endParaRPr lang="cs-CZ"/>
           </a:p>
@@ -8856,8 +8856,37 @@
                   </a:schemeClr>
                 </a:solidFill>
               </a:rPr>
-              <a:t>Grafika a Animace v C#</a:t>
-            </a:r>
+              <a:t>Grafika a Animace v C</a:t>
+            </a:r>
+            <a:r>
+              <a:rPr lang="cs-CZ" dirty="0" smtClean="0">
+                <a:solidFill>
+                  <a:schemeClr val="tx2">
+                    <a:lumMod val="75000"/>
+                  </a:schemeClr>
+                </a:solidFill>
+              </a:rPr>
+              <a:t>#</a:t>
+            </a:r>
+          </a:p>
+          <a:p>
+            <a:r>
+              <a:rPr lang="cs-CZ" dirty="0" smtClean="0">
+                <a:solidFill>
+                  <a:schemeClr val="tx2">
+                    <a:lumMod val="75000"/>
+                  </a:schemeClr>
+                </a:solidFill>
+              </a:rPr>
+              <a:t>Podprogramy – vlastní metody a funkce</a:t>
+            </a:r>
+            <a:endParaRPr lang="cs-CZ" dirty="0">
+              <a:solidFill>
+                <a:schemeClr val="tx2">
+                  <a:lumMod val="75000"/>
+                </a:schemeClr>
+              </a:solidFill>
+            </a:endParaRPr>
           </a:p>
           <a:p>
             <a:r>
@@ -9211,7 +9240,7 @@
           <p:nvPr/>
         </p:nvPicPr>
         <p:blipFill rotWithShape="1">
-          <a:blip r:embed="rId2">
+          <a:blip r:embed="rId2" cstate="hqprint">
             <a:extLst>
               <a:ext uri="{28A0092B-C50C-407E-A947-70E740481C1C}">
                 <a14:useLocalDpi xmlns:a14="http://schemas.microsoft.com/office/drawing/2010/main" val="0"/>
